--- a/errortype=list(errortype).pptx
+++ b/errortype=list(errortype).pptx
@@ -6,6 +6,7 @@
   </p:sldMasterIdLst>
   <p:sldIdLst>
     <p:sldId id="256" r:id="rId2"/>
+    <p:sldId id="257" r:id="rId3"/>
   </p:sldIdLst>
   <p:sldSz cx="12192000" cy="6858000"/>
   <p:notesSz cx="6858000" cy="9144000"/>
@@ -104,6 +105,11 @@
       </a:defRPr>
     </a:lvl9pPr>
   </p:defaultTextStyle>
+  <p:extLst>
+    <p:ext uri="{EFAFB233-063F-42B5-8137-9DF3F51BA10A}">
+      <p15:sldGuideLst xmlns:p15="http://schemas.microsoft.com/office/powerpoint/2012/main"/>
+    </p:ext>
+  </p:extLst>
 </p:presentation>
 </file>
 
@@ -3321,6 +3327,36 @@
           <a:chExt cx="0" cy="0"/>
         </a:xfrm>
       </p:grpSpPr>
+      <p:pic>
+        <p:nvPicPr>
+          <p:cNvPr id="3" name="Billede 2">
+            <a:extLst>
+              <a:ext uri="{FF2B5EF4-FFF2-40B4-BE49-F238E27FC236}">
+                <a16:creationId xmlns:a16="http://schemas.microsoft.com/office/drawing/2014/main" id="{82786F6E-23A6-8A41-B76C-3C4388E19463}"/>
+              </a:ext>
+            </a:extLst>
+          </p:cNvPr>
+          <p:cNvPicPr>
+            <a:picLocks noChangeAspect="1"/>
+          </p:cNvPicPr>
+          <p:nvPr/>
+        </p:nvPicPr>
+        <p:blipFill>
+          <a:blip r:embed="rId2"/>
+          <a:stretch>
+            <a:fillRect/>
+          </a:stretch>
+        </p:blipFill>
+        <p:spPr>
+          <a:xfrm>
+            <a:off x="7620001" y="2461295"/>
+            <a:ext cx="4089986" cy="4089986"/>
+          </a:xfrm>
+          <a:prstGeom prst="rect">
+            <a:avLst/>
+          </a:prstGeom>
+        </p:spPr>
+      </p:pic>
       <p:sp>
         <p:nvSpPr>
           <p:cNvPr id="6" name="Tekstfelt 5">
@@ -3335,8 +3371,8 @@
         </p:nvSpPr>
         <p:spPr>
           <a:xfrm>
-            <a:off x="624475" y="599089"/>
-            <a:ext cx="7194308" cy="3354765"/>
+            <a:off x="505205" y="731611"/>
+            <a:ext cx="10520604" cy="3785652"/>
           </a:xfrm>
           <a:prstGeom prst="rect">
             <a:avLst/>
@@ -3353,7 +3389,7 @@
               <a:buSzPct val="127000"/>
             </a:pPr>
             <a:r>
-              <a:rPr lang="en-AU" sz="2000" b="1" dirty="0">
+              <a:rPr lang="en-AU" sz="2400" b="1" dirty="0">
                 <a:latin typeface="Helvetica" pitchFamily="2" charset="0"/>
               </a:rPr>
               <a:t>Summary starving</a:t>
@@ -3363,11 +3399,11 @@
             <a:pPr marL="285750" indent="-285750">
               <a:buSzPct val="127000"/>
               <a:buBlip>
-                <a:blip r:embed="rId2"/>
+                <a:blip r:embed="rId3"/>
               </a:buBlip>
             </a:pPr>
             <a:r>
-              <a:rPr lang="en-AU" sz="2000" dirty="0">
+              <a:rPr lang="en-AU" sz="2400" dirty="0">
                 <a:latin typeface="Helvetica" pitchFamily="2" charset="0"/>
               </a:rPr>
               <a:t>Starving duration &gt; 10 second = 1/3</a:t>
@@ -3377,63 +3413,77 @@
             <a:pPr marL="285750" indent="-285750">
               <a:buSzPct val="127000"/>
               <a:buBlip>
-                <a:blip r:embed="rId2"/>
+                <a:blip r:embed="rId3"/>
               </a:buBlip>
             </a:pPr>
             <a:r>
-              <a:rPr lang="en-AU" sz="2000" dirty="0">
+              <a:rPr lang="en-AU" sz="2400" dirty="0">
                 <a:latin typeface="Helvetica" pitchFamily="2" charset="0"/>
               </a:rPr>
-              <a:t>Mean starving =5.1 second</a:t>
+              <a:t>Mean starving = 5.1 second</a:t>
             </a:r>
           </a:p>
           <a:p>
             <a:pPr marL="285750" indent="-285750">
               <a:buSzPct val="127000"/>
               <a:buBlip>
-                <a:blip r:embed="rId2"/>
+                <a:blip r:embed="rId3"/>
               </a:buBlip>
             </a:pPr>
             <a:r>
-              <a:rPr lang="en-AU" sz="2000" dirty="0">
+              <a:rPr lang="en-AU" sz="2400" dirty="0">
                 <a:latin typeface="Helvetica" pitchFamily="2" charset="0"/>
               </a:rPr>
-              <a:t>Gain if big error brought down to current mean = DKK 331,000</a:t>
+              <a:t>Gain if long-starving  brought down to current mean = DKK 331,000</a:t>
             </a:r>
           </a:p>
           <a:p>
             <a:pPr marL="285750" indent="-285750">
               <a:buSzPct val="127000"/>
               <a:buBlip>
-                <a:blip r:embed="rId2"/>
+                <a:blip r:embed="rId3"/>
               </a:buBlip>
             </a:pPr>
             <a:r>
-              <a:rPr lang="en-AU" sz="2000" dirty="0">
+              <a:rPr lang="en-AU" sz="2400" dirty="0">
                 <a:latin typeface="Helvetica" pitchFamily="2" charset="0"/>
               </a:rPr>
-              <a:t>Gain DK = 63.000 DKK</a:t>
+              <a:t>Gain DK = 63,000 DKK per quarter </a:t>
             </a:r>
           </a:p>
           <a:p>
             <a:pPr marL="285750" indent="-285750">
               <a:buSzPct val="127000"/>
               <a:buBlip>
-                <a:blip r:embed="rId2"/>
+                <a:blip r:embed="rId3"/>
               </a:buBlip>
             </a:pPr>
             <a:r>
-              <a:rPr lang="en-AU" sz="2000" dirty="0">
+              <a:rPr lang="en-AU" sz="2400" dirty="0">
                 <a:latin typeface="Helvetica" pitchFamily="2" charset="0"/>
               </a:rPr>
-              <a:t>Gain Brazil = 268.000 DKK</a:t>
+              <a:t>Gain Brazil = 268,000 DKK</a:t>
             </a:r>
           </a:p>
           <a:p>
             <a:pPr marL="285750" indent="-285750">
               <a:buSzPct val="127000"/>
               <a:buBlip>
-                <a:blip r:embed="rId2"/>
+                <a:blip r:embed="rId3"/>
+              </a:buBlip>
+            </a:pPr>
+            <a:r>
+              <a:rPr lang="en-AU" sz="2400" dirty="0">
+                <a:latin typeface="Helvetica" pitchFamily="2" charset="0"/>
+              </a:rPr>
+              <a:t>Long-starving = duration more than 10 s</a:t>
+            </a:r>
+          </a:p>
+          <a:p>
+            <a:pPr marL="285750" indent="-285750">
+              <a:buSzPct val="127000"/>
+              <a:buBlip>
+                <a:blip r:embed="rId3"/>
               </a:buBlip>
             </a:pPr>
             <a:endParaRPr lang="en-AU" dirty="0">
@@ -3444,7 +3494,7 @@
             <a:pPr marL="285750" indent="-285750">
               <a:buSzPct val="127000"/>
               <a:buBlip>
-                <a:blip r:embed="rId2"/>
+                <a:blip r:embed="rId3"/>
               </a:buBlip>
             </a:pPr>
             <a:endParaRPr lang="en-AU" dirty="0"/>
@@ -3465,14 +3515,44 @@
           </a:p>
         </p:txBody>
       </p:sp>
+    </p:spTree>
+    <p:extLst>
+      <p:ext uri="{BB962C8B-B14F-4D97-AF65-F5344CB8AC3E}">
+        <p14:creationId xmlns:p14="http://schemas.microsoft.com/office/powerpoint/2010/main" val="248763918"/>
+      </p:ext>
+    </p:extLst>
+  </p:cSld>
+  <p:clrMapOvr>
+    <a:masterClrMapping/>
+  </p:clrMapOvr>
+</p:sld>
+</file>
+
+<file path=ppt/slides/slide2.xml><?xml version="1.0" encoding="utf-8"?>
+<p:sld xmlns:a="http://schemas.openxmlformats.org/drawingml/2006/main" xmlns:r="http://schemas.openxmlformats.org/officeDocument/2006/relationships" xmlns:p="http://schemas.openxmlformats.org/presentationml/2006/main">
+  <p:cSld>
+    <p:spTree>
+      <p:nvGrpSpPr>
+        <p:cNvPr id="1" name=""/>
+        <p:cNvGrpSpPr/>
+        <p:nvPr/>
+      </p:nvGrpSpPr>
+      <p:grpSpPr>
+        <a:xfrm>
+          <a:off x="0" y="0"/>
+          <a:ext cx="0" cy="0"/>
+          <a:chOff x="0" y="0"/>
+          <a:chExt cx="0" cy="0"/>
+        </a:xfrm>
+      </p:grpSpPr>
       <mc:AlternateContent xmlns:mc="http://schemas.openxmlformats.org/markup-compatibility/2006">
         <mc:Choice xmlns:a14="http://schemas.microsoft.com/office/drawing/2010/main" Requires="a14">
           <p:sp>
             <p:nvSpPr>
-              <p:cNvPr id="8" name="Tekstfelt 7">
+              <p:cNvPr id="4" name="Tekstfelt 3">
                 <a:extLst>
                   <a:ext uri="{FF2B5EF4-FFF2-40B4-BE49-F238E27FC236}">
-                    <a16:creationId xmlns:a16="http://schemas.microsoft.com/office/drawing/2014/main" id="{D29CCB20-F881-874D-A59D-32A441CC9965}"/>
+                    <a16:creationId xmlns:a16="http://schemas.microsoft.com/office/drawing/2014/main" id="{6FAA8078-A6AF-6D4F-B382-EEB029FFFA00}"/>
                   </a:ext>
                 </a:extLst>
               </p:cNvPr>
@@ -3481,8 +3561,8 @@
             </p:nvSpPr>
             <p:spPr>
               <a:xfrm>
-                <a:off x="2146852" y="3461411"/>
-                <a:ext cx="10065027" cy="3150927"/>
+                <a:off x="543339" y="731463"/>
+                <a:ext cx="11847444" cy="3150927"/>
               </a:xfrm>
               <a:prstGeom prst="rect">
                 <a:avLst/>
@@ -3554,7 +3634,13 @@
                           <a:rPr lang="da-DK" sz="2000" b="0" i="1" smtClean="0">
                             <a:latin typeface="Cambria Math" panose="02040503050406030204" pitchFamily="18" charset="0"/>
                           </a:rPr>
-                          <m:t>𝑠𝑡𝑟𝑎𝑟𝑣𝑖𝑛𝑔</m:t>
+                          <m:t>𝑙𝑜𝑛𝑔𝑆</m:t>
+                        </m:r>
+                        <m:r>
+                          <a:rPr lang="da-DK" sz="2000" b="0" i="1" smtClean="0">
+                            <a:latin typeface="Cambria Math" panose="02040503050406030204" pitchFamily="18" charset="0"/>
+                          </a:rPr>
+                          <m:t>𝑡𝑟𝑎𝑟𝑣𝑖𝑛𝑔</m:t>
                         </m:r>
                         <m:r>
                           <a:rPr lang="da-DK" sz="2000" b="0" i="1" smtClean="0">
@@ -3578,7 +3664,13 @@
                           <a:rPr lang="da-DK" sz="2000" b="0" i="1" smtClean="0">
                             <a:latin typeface="Cambria Math" panose="02040503050406030204" pitchFamily="18" charset="0"/>
                           </a:rPr>
-                          <m:t>𝑠𝑡𝑎𝑟𝑣𝑖𝑛𝑔</m:t>
+                          <m:t>𝑙𝑜𝑛𝑔𝑆</m:t>
+                        </m:r>
+                        <m:r>
+                          <a:rPr lang="da-DK" sz="2000" b="0" i="1" smtClean="0">
+                            <a:latin typeface="Cambria Math" panose="02040503050406030204" pitchFamily="18" charset="0"/>
+                          </a:rPr>
+                          <m:t>𝑡𝑎𝑟𝑣𝑖𝑛𝑔</m:t>
                         </m:r>
                         <m:r>
                           <a:rPr lang="da-DK" sz="2000" b="0" i="1" smtClean="0">
@@ -3658,7 +3750,7 @@
                   <a:rPr lang="en-AU" sz="2000" dirty="0">
                     <a:latin typeface="Helvetica" pitchFamily="2" charset="0"/>
                   </a:rPr>
-                  <a:t>Denmark is found to have lowest starving error measured on error duration &gt; 10 </a:t>
+                  <a:t>Denmark is found to have lowest long-starving measured on duration &gt; 10 </a:t>
                 </a:r>
               </a:p>
               <a:p>
@@ -3790,7 +3882,19 @@
                       <a:rPr lang="da-DK" sz="2000" b="0" i="1" smtClean="0">
                         <a:latin typeface="Cambria Math" panose="02040503050406030204" pitchFamily="18" charset="0"/>
                       </a:rPr>
-                      <m:t>⋅2=155.000 </m:t>
+                      <m:t>⋅2=15</m:t>
+                    </m:r>
+                    <m:r>
+                      <a:rPr lang="da-DK" sz="2000" b="0" i="1" smtClean="0">
+                        <a:latin typeface="Cambria Math" panose="02040503050406030204" pitchFamily="18" charset="0"/>
+                      </a:rPr>
+                      <m:t>0,</m:t>
+                    </m:r>
+                    <m:r>
+                      <a:rPr lang="da-DK" sz="2000" b="0" i="1" smtClean="0">
+                        <a:latin typeface="Cambria Math" panose="02040503050406030204" pitchFamily="18" charset="0"/>
+                      </a:rPr>
+                      <m:t>000 </m:t>
                     </m:r>
                     <m:r>
                       <a:rPr lang="da-DK" sz="2000" b="0" i="1" smtClean="0">
@@ -3835,7 +3939,7 @@
                   <a:rPr lang="en-AU" sz="2000" dirty="0">
                     <a:latin typeface="Helvetica" pitchFamily="2" charset="0"/>
                   </a:rPr>
-                  <a:t>	- OEE = 0.75</a:t>
+                  <a:t>	- OEE = 75 %</a:t>
                 </a:r>
               </a:p>
               <a:p>
@@ -3855,11 +3959,8 @@
                 </a:r>
               </a:p>
               <a:p>
-                <a:pPr marL="342900" indent="-342900">
+                <a:pPr>
                   <a:buSzPct val="126000"/>
-                  <a:buBlip>
-                    <a:blip r:embed="rId2"/>
-                  </a:buBlip>
                 </a:pPr>
                 <a:endParaRPr lang="en-AU" b="1" dirty="0">
                   <a:latin typeface="Helvetica" pitchFamily="2" charset="0"/>
@@ -3871,10 +3972,10 @@
         <mc:Fallback>
           <p:sp>
             <p:nvSpPr>
-              <p:cNvPr id="8" name="Tekstfelt 7">
+              <p:cNvPr id="4" name="Tekstfelt 3">
                 <a:extLst>
                   <a:ext uri="{FF2B5EF4-FFF2-40B4-BE49-F238E27FC236}">
-                    <a16:creationId xmlns:a16="http://schemas.microsoft.com/office/drawing/2014/main" id="{D29CCB20-F881-874D-A59D-32A441CC9965}"/>
+                    <a16:creationId xmlns:a16="http://schemas.microsoft.com/office/drawing/2014/main" id="{6FAA8078-A6AF-6D4F-B382-EEB029FFFA00}"/>
                   </a:ext>
                 </a:extLst>
               </p:cNvPr>
@@ -3885,8 +3986,8 @@
             </p:nvSpPr>
             <p:spPr>
               <a:xfrm>
-                <a:off x="2146852" y="3461411"/>
-                <a:ext cx="10065027" cy="3150927"/>
+                <a:off x="543339" y="731463"/>
+                <a:ext cx="11847444" cy="3150927"/>
               </a:xfrm>
               <a:prstGeom prst="rect">
                 <a:avLst/>
@@ -3894,7 +3995,7 @@
               <a:blipFill>
                 <a:blip r:embed="rId3"/>
                 <a:stretch>
-                  <a:fillRect l="-504" t="-1205"/>
+                  <a:fillRect l="-535" t="-1205"/>
                 </a:stretch>
               </a:blipFill>
             </p:spPr>
@@ -3915,10 +4016,10 @@
       </mc:AlternateContent>
       <p:pic>
         <p:nvPicPr>
-          <p:cNvPr id="10" name="Billede 9">
-            <a:extLst>
-              <a:ext uri="{FF2B5EF4-FFF2-40B4-BE49-F238E27FC236}">
-                <a16:creationId xmlns:a16="http://schemas.microsoft.com/office/drawing/2014/main" id="{AE047F43-704D-3945-B721-097586AC7C41}"/>
+          <p:cNvPr id="6" name="Billede 5">
+            <a:extLst>
+              <a:ext uri="{FF2B5EF4-FFF2-40B4-BE49-F238E27FC236}">
+                <a16:creationId xmlns:a16="http://schemas.microsoft.com/office/drawing/2014/main" id="{9E0C8415-5171-2948-AAE8-4734E1611D16}"/>
               </a:ext>
             </a:extLst>
           </p:cNvPr>
@@ -3928,17 +4029,15 @@
           <p:nvPr/>
         </p:nvPicPr>
         <p:blipFill>
-          <a:blip r:embed="rId4">
-            <a:alphaModFix amt="60000"/>
-          </a:blip>
+          <a:blip r:embed="rId4"/>
           <a:stretch>
             <a:fillRect/>
           </a:stretch>
         </p:blipFill>
         <p:spPr>
           <a:xfrm>
-            <a:off x="8156220" y="268349"/>
-            <a:ext cx="3718221" cy="2781229"/>
+            <a:off x="6944139" y="2615965"/>
+            <a:ext cx="5069232" cy="4242035"/>
           </a:xfrm>
           <a:prstGeom prst="rect">
             <a:avLst/>
@@ -3948,7 +4047,7 @@
     </p:spTree>
     <p:extLst>
       <p:ext uri="{BB962C8B-B14F-4D97-AF65-F5344CB8AC3E}">
-        <p14:creationId xmlns:p14="http://schemas.microsoft.com/office/powerpoint/2010/main" val="248763918"/>
+        <p14:creationId xmlns:p14="http://schemas.microsoft.com/office/powerpoint/2010/main" val="2464583852"/>
       </p:ext>
     </p:extLst>
   </p:cSld>
